--- a/activities/image/会社一覧.pptx
+++ b/activities/image/会社一覧.pptx
@@ -5,7 +5,7 @@
     <p:sldMasterId id="2147483648" r:id="rId1"/>
   </p:sldMasterIdLst>
   <p:notesMasterIdLst>
-    <p:notesMasterId r:id="rId30"/>
+    <p:notesMasterId r:id="rId31"/>
   </p:notesMasterIdLst>
   <p:sldIdLst>
     <p:sldId id="256" r:id="rId2"/>
@@ -23,19 +23,20 @@
     <p:sldId id="268" r:id="rId14"/>
     <p:sldId id="269" r:id="rId15"/>
     <p:sldId id="270" r:id="rId16"/>
-    <p:sldId id="283" r:id="rId17"/>
-    <p:sldId id="271" r:id="rId18"/>
-    <p:sldId id="272" r:id="rId19"/>
-    <p:sldId id="273" r:id="rId20"/>
-    <p:sldId id="274" r:id="rId21"/>
-    <p:sldId id="275" r:id="rId22"/>
-    <p:sldId id="276" r:id="rId23"/>
-    <p:sldId id="277" r:id="rId24"/>
-    <p:sldId id="278" r:id="rId25"/>
-    <p:sldId id="279" r:id="rId26"/>
-    <p:sldId id="280" r:id="rId27"/>
-    <p:sldId id="281" r:id="rId28"/>
-    <p:sldId id="282" r:id="rId29"/>
+    <p:sldId id="284" r:id="rId17"/>
+    <p:sldId id="283" r:id="rId18"/>
+    <p:sldId id="271" r:id="rId19"/>
+    <p:sldId id="272" r:id="rId20"/>
+    <p:sldId id="273" r:id="rId21"/>
+    <p:sldId id="274" r:id="rId22"/>
+    <p:sldId id="275" r:id="rId23"/>
+    <p:sldId id="276" r:id="rId24"/>
+    <p:sldId id="277" r:id="rId25"/>
+    <p:sldId id="278" r:id="rId26"/>
+    <p:sldId id="279" r:id="rId27"/>
+    <p:sldId id="280" r:id="rId28"/>
+    <p:sldId id="281" r:id="rId29"/>
+    <p:sldId id="282" r:id="rId30"/>
   </p:sldIdLst>
   <p:sldSz cx="12192000" cy="6858000"/>
   <p:notesSz cx="6858000" cy="9144000"/>
@@ -224,7 +225,7 @@
           <a:p>
             <a:fld id="{E7AB9CF3-CE1F-4D41-90D3-3EB4A2E3E44C}" type="datetimeFigureOut">
               <a:rPr kumimoji="1" lang="ja-JP" altLang="en-US" smtClean="0"/>
-              <a:t>2022/12/25</a:t>
+              <a:t>2023/1/11</a:t>
             </a:fld>
             <a:endParaRPr kumimoji="1" lang="ja-JP" altLang="en-US"/>
           </a:p>
@@ -754,7 +755,7 @@
           <a:p>
             <a:fld id="{F207CF53-5926-4BF4-A9A5-65B03568CE90}" type="datetimeFigureOut">
               <a:rPr kumimoji="1" lang="ja-JP" altLang="en-US" smtClean="0"/>
-              <a:t>2022/12/25</a:t>
+              <a:t>2023/1/11</a:t>
             </a:fld>
             <a:endParaRPr kumimoji="1" lang="ja-JP" altLang="en-US"/>
           </a:p>
@@ -984,7 +985,7 @@
           <a:p>
             <a:fld id="{F207CF53-5926-4BF4-A9A5-65B03568CE90}" type="datetimeFigureOut">
               <a:rPr kumimoji="1" lang="ja-JP" altLang="en-US" smtClean="0"/>
-              <a:t>2022/12/25</a:t>
+              <a:t>2023/1/11</a:t>
             </a:fld>
             <a:endParaRPr kumimoji="1" lang="ja-JP" altLang="en-US"/>
           </a:p>
@@ -1224,7 +1225,7 @@
           <a:p>
             <a:fld id="{F207CF53-5926-4BF4-A9A5-65B03568CE90}" type="datetimeFigureOut">
               <a:rPr kumimoji="1" lang="ja-JP" altLang="en-US" smtClean="0"/>
-              <a:t>2022/12/25</a:t>
+              <a:t>2023/1/11</a:t>
             </a:fld>
             <a:endParaRPr kumimoji="1" lang="ja-JP" altLang="en-US"/>
           </a:p>
@@ -1454,7 +1455,7 @@
           <a:p>
             <a:fld id="{F207CF53-5926-4BF4-A9A5-65B03568CE90}" type="datetimeFigureOut">
               <a:rPr kumimoji="1" lang="ja-JP" altLang="en-US" smtClean="0"/>
-              <a:t>2022/12/25</a:t>
+              <a:t>2023/1/11</a:t>
             </a:fld>
             <a:endParaRPr kumimoji="1" lang="ja-JP" altLang="en-US"/>
           </a:p>
@@ -1729,7 +1730,7 @@
           <a:p>
             <a:fld id="{F207CF53-5926-4BF4-A9A5-65B03568CE90}" type="datetimeFigureOut">
               <a:rPr kumimoji="1" lang="ja-JP" altLang="en-US" smtClean="0"/>
-              <a:t>2022/12/25</a:t>
+              <a:t>2023/1/11</a:t>
             </a:fld>
             <a:endParaRPr kumimoji="1" lang="ja-JP" altLang="en-US"/>
           </a:p>
@@ -2058,7 +2059,7 @@
           <a:p>
             <a:fld id="{F207CF53-5926-4BF4-A9A5-65B03568CE90}" type="datetimeFigureOut">
               <a:rPr kumimoji="1" lang="ja-JP" altLang="en-US" smtClean="0"/>
-              <a:t>2022/12/25</a:t>
+              <a:t>2023/1/11</a:t>
             </a:fld>
             <a:endParaRPr kumimoji="1" lang="ja-JP" altLang="en-US"/>
           </a:p>
@@ -2534,7 +2535,7 @@
           <a:p>
             <a:fld id="{F207CF53-5926-4BF4-A9A5-65B03568CE90}" type="datetimeFigureOut">
               <a:rPr kumimoji="1" lang="ja-JP" altLang="en-US" smtClean="0"/>
-              <a:t>2022/12/25</a:t>
+              <a:t>2023/1/11</a:t>
             </a:fld>
             <a:endParaRPr kumimoji="1" lang="ja-JP" altLang="en-US"/>
           </a:p>
@@ -2675,7 +2676,7 @@
           <a:p>
             <a:fld id="{F207CF53-5926-4BF4-A9A5-65B03568CE90}" type="datetimeFigureOut">
               <a:rPr kumimoji="1" lang="ja-JP" altLang="en-US" smtClean="0"/>
-              <a:t>2022/12/25</a:t>
+              <a:t>2023/1/11</a:t>
             </a:fld>
             <a:endParaRPr kumimoji="1" lang="ja-JP" altLang="en-US"/>
           </a:p>
@@ -2788,7 +2789,7 @@
           <a:p>
             <a:fld id="{F207CF53-5926-4BF4-A9A5-65B03568CE90}" type="datetimeFigureOut">
               <a:rPr kumimoji="1" lang="ja-JP" altLang="en-US" smtClean="0"/>
-              <a:t>2022/12/25</a:t>
+              <a:t>2023/1/11</a:t>
             </a:fld>
             <a:endParaRPr kumimoji="1" lang="ja-JP" altLang="en-US"/>
           </a:p>
@@ -3131,7 +3132,7 @@
           <a:p>
             <a:fld id="{F207CF53-5926-4BF4-A9A5-65B03568CE90}" type="datetimeFigureOut">
               <a:rPr kumimoji="1" lang="ja-JP" altLang="en-US" smtClean="0"/>
-              <a:t>2022/12/25</a:t>
+              <a:t>2023/1/11</a:t>
             </a:fld>
             <a:endParaRPr kumimoji="1" lang="ja-JP" altLang="en-US"/>
           </a:p>
@@ -3419,7 +3420,7 @@
           <a:p>
             <a:fld id="{F207CF53-5926-4BF4-A9A5-65B03568CE90}" type="datetimeFigureOut">
               <a:rPr kumimoji="1" lang="ja-JP" altLang="en-US" smtClean="0"/>
-              <a:t>2022/12/25</a:t>
+              <a:t>2023/1/11</a:t>
             </a:fld>
             <a:endParaRPr kumimoji="1" lang="ja-JP" altLang="en-US"/>
           </a:p>
@@ -3692,7 +3693,7 @@
           <a:p>
             <a:fld id="{F207CF53-5926-4BF4-A9A5-65B03568CE90}" type="datetimeFigureOut">
               <a:rPr kumimoji="1" lang="ja-JP" altLang="en-US" smtClean="0"/>
-              <a:t>2022/12/25</a:t>
+              <a:t>2023/1/11</a:t>
             </a:fld>
             <a:endParaRPr kumimoji="1" lang="ja-JP" altLang="en-US"/>
           </a:p>
@@ -4939,6 +4940,80 @@
       </p:grpSpPr>
       <p:pic>
         <p:nvPicPr>
+          <p:cNvPr id="3" name="図 2" descr="ロゴ, 会社名&#10;&#10;自動的に生成された説明">
+            <a:extLst>
+              <a:ext uri="{FF2B5EF4-FFF2-40B4-BE49-F238E27FC236}">
+                <a16:creationId xmlns:a16="http://schemas.microsoft.com/office/drawing/2014/main" id="{6712F1DB-1AFA-3E51-279A-07437A8F2D65}"/>
+              </a:ext>
+            </a:extLst>
+          </p:cNvPr>
+          <p:cNvPicPr>
+            <a:picLocks noChangeAspect="1"/>
+          </p:cNvPicPr>
+          <p:nvPr/>
+        </p:nvPicPr>
+        <p:blipFill>
+          <a:blip r:embed="rId2">
+            <a:extLst>
+              <a:ext uri="{28A0092B-C50C-407E-A947-70E740481C1C}">
+                <a14:useLocalDpi xmlns:a14="http://schemas.microsoft.com/office/drawing/2010/main" val="0"/>
+              </a:ext>
+            </a:extLst>
+          </a:blip>
+          <a:stretch>
+            <a:fillRect/>
+          </a:stretch>
+        </p:blipFill>
+        <p:spPr>
+          <a:xfrm>
+            <a:off x="1639146" y="643466"/>
+            <a:ext cx="8913707" cy="5571067"/>
+          </a:xfrm>
+          <a:prstGeom prst="rect">
+            <a:avLst/>
+          </a:prstGeom>
+        </p:spPr>
+      </p:pic>
+    </p:spTree>
+    <p:extLst>
+      <p:ext uri="{BB962C8B-B14F-4D97-AF65-F5344CB8AC3E}">
+        <p14:creationId xmlns:p14="http://schemas.microsoft.com/office/powerpoint/2010/main" val="2833155492"/>
+      </p:ext>
+    </p:extLst>
+  </p:cSld>
+  <p:clrMapOvr>
+    <a:masterClrMapping/>
+  </p:clrMapOvr>
+</p:sld>
+</file>
+
+<file path=ppt/slides/slide17.xml><?xml version="1.0" encoding="utf-8"?>
+<p:sld xmlns:a="http://schemas.openxmlformats.org/drawingml/2006/main" xmlns:r="http://schemas.openxmlformats.org/officeDocument/2006/relationships" xmlns:p="http://schemas.openxmlformats.org/presentationml/2006/main">
+  <p:cSld>
+    <p:bg>
+      <p:bgPr>
+        <a:solidFill>
+          <a:schemeClr val="bg1"/>
+        </a:solidFill>
+        <a:effectLst/>
+      </p:bgPr>
+    </p:bg>
+    <p:spTree>
+      <p:nvGrpSpPr>
+        <p:cNvPr id="1" name=""/>
+        <p:cNvGrpSpPr/>
+        <p:nvPr/>
+      </p:nvGrpSpPr>
+      <p:grpSpPr>
+        <a:xfrm>
+          <a:off x="0" y="0"/>
+          <a:ext cx="0" cy="0"/>
+          <a:chOff x="0" y="0"/>
+          <a:chExt cx="0" cy="0"/>
+        </a:xfrm>
+      </p:grpSpPr>
+      <p:pic>
+        <p:nvPicPr>
           <p:cNvPr id="1026" name="Picture 2">
             <a:extLst>
               <a:ext uri="{FF2B5EF4-FFF2-40B4-BE49-F238E27FC236}">
@@ -4996,7 +5071,7 @@
 </p:sld>
 </file>
 
-<file path=ppt/slides/slide17.xml><?xml version="1.0" encoding="utf-8"?>
+<file path=ppt/slides/slide18.xml><?xml version="1.0" encoding="utf-8"?>
 <p:sld xmlns:a="http://schemas.openxmlformats.org/drawingml/2006/main" xmlns:r="http://schemas.openxmlformats.org/officeDocument/2006/relationships" xmlns:p="http://schemas.openxmlformats.org/presentationml/2006/main">
   <p:cSld>
     <p:spTree>
@@ -5062,7 +5137,7 @@
 </p:sld>
 </file>
 
-<file path=ppt/slides/slide18.xml><?xml version="1.0" encoding="utf-8"?>
+<file path=ppt/slides/slide19.xml><?xml version="1.0" encoding="utf-8"?>
 <p:sld xmlns:a="http://schemas.openxmlformats.org/drawingml/2006/main" xmlns:r="http://schemas.openxmlformats.org/officeDocument/2006/relationships" xmlns:p="http://schemas.openxmlformats.org/presentationml/2006/main">
   <p:cSld>
     <p:spTree>
@@ -5119,72 +5194,6 @@
     <p:extLst>
       <p:ext uri="{BB962C8B-B14F-4D97-AF65-F5344CB8AC3E}">
         <p14:creationId xmlns:p14="http://schemas.microsoft.com/office/powerpoint/2010/main" val="4026252335"/>
-      </p:ext>
-    </p:extLst>
-  </p:cSld>
-  <p:clrMapOvr>
-    <a:masterClrMapping/>
-  </p:clrMapOvr>
-</p:sld>
-</file>
-
-<file path=ppt/slides/slide19.xml><?xml version="1.0" encoding="utf-8"?>
-<p:sld xmlns:a="http://schemas.openxmlformats.org/drawingml/2006/main" xmlns:r="http://schemas.openxmlformats.org/officeDocument/2006/relationships" xmlns:p="http://schemas.openxmlformats.org/presentationml/2006/main">
-  <p:cSld>
-    <p:spTree>
-      <p:nvGrpSpPr>
-        <p:cNvPr id="1" name=""/>
-        <p:cNvGrpSpPr/>
-        <p:nvPr/>
-      </p:nvGrpSpPr>
-      <p:grpSpPr>
-        <a:xfrm>
-          <a:off x="0" y="0"/>
-          <a:ext cx="0" cy="0"/>
-          <a:chOff x="0" y="0"/>
-          <a:chExt cx="0" cy="0"/>
-        </a:xfrm>
-      </p:grpSpPr>
-      <p:pic>
-        <p:nvPicPr>
-          <p:cNvPr id="3" name="図 2" descr="ロゴ&#10;&#10;自動的に生成された説明">
-            <a:extLst>
-              <a:ext uri="{FF2B5EF4-FFF2-40B4-BE49-F238E27FC236}">
-                <a16:creationId xmlns:a16="http://schemas.microsoft.com/office/drawing/2014/main" id="{13D45552-8A51-60B1-BC79-CA4DCA881256}"/>
-              </a:ext>
-            </a:extLst>
-          </p:cNvPr>
-          <p:cNvPicPr>
-            <a:picLocks noChangeAspect="1"/>
-          </p:cNvPicPr>
-          <p:nvPr/>
-        </p:nvPicPr>
-        <p:blipFill>
-          <a:blip r:embed="rId2">
-            <a:extLst>
-              <a:ext uri="{28A0092B-C50C-407E-A947-70E740481C1C}">
-                <a14:useLocalDpi xmlns:a14="http://schemas.microsoft.com/office/drawing/2010/main" val="0"/>
-              </a:ext>
-            </a:extLst>
-          </a:blip>
-          <a:stretch>
-            <a:fillRect/>
-          </a:stretch>
-        </p:blipFill>
-        <p:spPr>
-          <a:xfrm>
-            <a:off x="92765" y="2352948"/>
-            <a:ext cx="12006470" cy="2152103"/>
-          </a:xfrm>
-          <a:prstGeom prst="rect">
-            <a:avLst/>
-          </a:prstGeom>
-        </p:spPr>
-      </p:pic>
-    </p:spTree>
-    <p:extLst>
-      <p:ext uri="{BB962C8B-B14F-4D97-AF65-F5344CB8AC3E}">
-        <p14:creationId xmlns:p14="http://schemas.microsoft.com/office/powerpoint/2010/main" val="1961051180"/>
       </p:ext>
     </p:extLst>
   </p:cSld>
@@ -5289,6 +5298,72 @@
       </p:grpSpPr>
       <p:pic>
         <p:nvPicPr>
+          <p:cNvPr id="3" name="図 2" descr="ロゴ&#10;&#10;自動的に生成された説明">
+            <a:extLst>
+              <a:ext uri="{FF2B5EF4-FFF2-40B4-BE49-F238E27FC236}">
+                <a16:creationId xmlns:a16="http://schemas.microsoft.com/office/drawing/2014/main" id="{13D45552-8A51-60B1-BC79-CA4DCA881256}"/>
+              </a:ext>
+            </a:extLst>
+          </p:cNvPr>
+          <p:cNvPicPr>
+            <a:picLocks noChangeAspect="1"/>
+          </p:cNvPicPr>
+          <p:nvPr/>
+        </p:nvPicPr>
+        <p:blipFill>
+          <a:blip r:embed="rId2">
+            <a:extLst>
+              <a:ext uri="{28A0092B-C50C-407E-A947-70E740481C1C}">
+                <a14:useLocalDpi xmlns:a14="http://schemas.microsoft.com/office/drawing/2010/main" val="0"/>
+              </a:ext>
+            </a:extLst>
+          </a:blip>
+          <a:stretch>
+            <a:fillRect/>
+          </a:stretch>
+        </p:blipFill>
+        <p:spPr>
+          <a:xfrm>
+            <a:off x="92765" y="2352948"/>
+            <a:ext cx="12006470" cy="2152103"/>
+          </a:xfrm>
+          <a:prstGeom prst="rect">
+            <a:avLst/>
+          </a:prstGeom>
+        </p:spPr>
+      </p:pic>
+    </p:spTree>
+    <p:extLst>
+      <p:ext uri="{BB962C8B-B14F-4D97-AF65-F5344CB8AC3E}">
+        <p14:creationId xmlns:p14="http://schemas.microsoft.com/office/powerpoint/2010/main" val="1961051180"/>
+      </p:ext>
+    </p:extLst>
+  </p:cSld>
+  <p:clrMapOvr>
+    <a:masterClrMapping/>
+  </p:clrMapOvr>
+</p:sld>
+</file>
+
+<file path=ppt/slides/slide21.xml><?xml version="1.0" encoding="utf-8"?>
+<p:sld xmlns:a="http://schemas.openxmlformats.org/drawingml/2006/main" xmlns:r="http://schemas.openxmlformats.org/officeDocument/2006/relationships" xmlns:p="http://schemas.openxmlformats.org/presentationml/2006/main">
+  <p:cSld>
+    <p:spTree>
+      <p:nvGrpSpPr>
+        <p:cNvPr id="1" name=""/>
+        <p:cNvGrpSpPr/>
+        <p:nvPr/>
+      </p:nvGrpSpPr>
+      <p:grpSpPr>
+        <a:xfrm>
+          <a:off x="0" y="0"/>
+          <a:ext cx="0" cy="0"/>
+          <a:chOff x="0" y="0"/>
+          <a:chExt cx="0" cy="0"/>
+        </a:xfrm>
+      </p:grpSpPr>
+      <p:pic>
+        <p:nvPicPr>
           <p:cNvPr id="3" name="図 2" descr="ロゴ, 会社名&#10;&#10;自動的に生成された説明">
             <a:extLst>
               <a:ext uri="{FF2B5EF4-FFF2-40B4-BE49-F238E27FC236}">
@@ -5336,7 +5411,7 @@
 </p:sld>
 </file>
 
-<file path=ppt/slides/slide21.xml><?xml version="1.0" encoding="utf-8"?>
+<file path=ppt/slides/slide22.xml><?xml version="1.0" encoding="utf-8"?>
 <p:sld xmlns:a="http://schemas.openxmlformats.org/drawingml/2006/main" xmlns:r="http://schemas.openxmlformats.org/officeDocument/2006/relationships" xmlns:p="http://schemas.openxmlformats.org/presentationml/2006/main">
   <p:cSld>
     <p:spTree>
@@ -5402,7 +5477,7 @@
 </p:sld>
 </file>
 
-<file path=ppt/slides/slide22.xml><?xml version="1.0" encoding="utf-8"?>
+<file path=ppt/slides/slide23.xml><?xml version="1.0" encoding="utf-8"?>
 <p:sld xmlns:a="http://schemas.openxmlformats.org/drawingml/2006/main" xmlns:r="http://schemas.openxmlformats.org/officeDocument/2006/relationships" xmlns:p="http://schemas.openxmlformats.org/presentationml/2006/main">
   <p:cSld>
     <p:bg>
@@ -5476,7 +5551,7 @@
 </p:sld>
 </file>
 
-<file path=ppt/slides/slide23.xml><?xml version="1.0" encoding="utf-8"?>
+<file path=ppt/slides/slide24.xml><?xml version="1.0" encoding="utf-8"?>
 <p:sld xmlns:a="http://schemas.openxmlformats.org/drawingml/2006/main" xmlns:r="http://schemas.openxmlformats.org/officeDocument/2006/relationships" xmlns:p="http://schemas.openxmlformats.org/presentationml/2006/main">
   <p:cSld>
     <p:spTree>
@@ -5542,7 +5617,7 @@
 </p:sld>
 </file>
 
-<file path=ppt/slides/slide24.xml><?xml version="1.0" encoding="utf-8"?>
+<file path=ppt/slides/slide25.xml><?xml version="1.0" encoding="utf-8"?>
 <p:sld xmlns:a="http://schemas.openxmlformats.org/drawingml/2006/main" xmlns:r="http://schemas.openxmlformats.org/officeDocument/2006/relationships" xmlns:p="http://schemas.openxmlformats.org/presentationml/2006/main">
   <p:cSld>
     <p:spTree>
@@ -5608,7 +5683,7 @@
 </p:sld>
 </file>
 
-<file path=ppt/slides/slide25.xml><?xml version="1.0" encoding="utf-8"?>
+<file path=ppt/slides/slide26.xml><?xml version="1.0" encoding="utf-8"?>
 <p:sld xmlns:a="http://schemas.openxmlformats.org/drawingml/2006/main" xmlns:r="http://schemas.openxmlformats.org/officeDocument/2006/relationships" xmlns:p="http://schemas.openxmlformats.org/presentationml/2006/main">
   <p:cSld>
     <p:spTree>
@@ -5674,7 +5749,7 @@
 </p:sld>
 </file>
 
-<file path=ppt/slides/slide26.xml><?xml version="1.0" encoding="utf-8"?>
+<file path=ppt/slides/slide27.xml><?xml version="1.0" encoding="utf-8"?>
 <p:sld xmlns:a="http://schemas.openxmlformats.org/drawingml/2006/main" xmlns:r="http://schemas.openxmlformats.org/officeDocument/2006/relationships" xmlns:p="http://schemas.openxmlformats.org/presentationml/2006/main">
   <p:cSld>
     <p:spTree>
@@ -5740,7 +5815,7 @@
 </p:sld>
 </file>
 
-<file path=ppt/slides/slide27.xml><?xml version="1.0" encoding="utf-8"?>
+<file path=ppt/slides/slide28.xml><?xml version="1.0" encoding="utf-8"?>
 <p:sld xmlns:a="http://schemas.openxmlformats.org/drawingml/2006/main" xmlns:r="http://schemas.openxmlformats.org/officeDocument/2006/relationships" xmlns:p="http://schemas.openxmlformats.org/presentationml/2006/main">
   <p:cSld>
     <p:spTree>
@@ -5806,7 +5881,7 @@
 </p:sld>
 </file>
 
-<file path=ppt/slides/slide28.xml><?xml version="1.0" encoding="utf-8"?>
+<file path=ppt/slides/slide29.xml><?xml version="1.0" encoding="utf-8"?>
 <p:sld xmlns:a="http://schemas.openxmlformats.org/drawingml/2006/main" xmlns:r="http://schemas.openxmlformats.org/officeDocument/2006/relationships" xmlns:p="http://schemas.openxmlformats.org/presentationml/2006/main">
   <p:cSld>
     <p:bg>

--- a/activities/image/会社一覧.pptx
+++ b/activities/image/会社一覧.pptx
@@ -5,7 +5,7 @@
     <p:sldMasterId id="2147483648" r:id="rId1"/>
   </p:sldMasterIdLst>
   <p:notesMasterIdLst>
-    <p:notesMasterId r:id="rId31"/>
+    <p:notesMasterId r:id="rId35"/>
   </p:notesMasterIdLst>
   <p:sldIdLst>
     <p:sldId id="256" r:id="rId2"/>
@@ -37,6 +37,10 @@
     <p:sldId id="280" r:id="rId28"/>
     <p:sldId id="281" r:id="rId29"/>
     <p:sldId id="282" r:id="rId30"/>
+    <p:sldId id="286" r:id="rId31"/>
+    <p:sldId id="285" r:id="rId32"/>
+    <p:sldId id="287" r:id="rId33"/>
+    <p:sldId id="288" r:id="rId34"/>
   </p:sldIdLst>
   <p:sldSz cx="12192000" cy="6858000"/>
   <p:notesSz cx="6858000" cy="9144000"/>
@@ -225,7 +229,7 @@
           <a:p>
             <a:fld id="{E7AB9CF3-CE1F-4D41-90D3-3EB4A2E3E44C}" type="datetimeFigureOut">
               <a:rPr kumimoji="1" lang="ja-JP" altLang="en-US" smtClean="0"/>
-              <a:t>2023/1/11</a:t>
+              <a:t>2023/2/12</a:t>
             </a:fld>
             <a:endParaRPr kumimoji="1" lang="ja-JP" altLang="en-US"/>
           </a:p>
@@ -755,7 +759,7 @@
           <a:p>
             <a:fld id="{F207CF53-5926-4BF4-A9A5-65B03568CE90}" type="datetimeFigureOut">
               <a:rPr kumimoji="1" lang="ja-JP" altLang="en-US" smtClean="0"/>
-              <a:t>2023/1/11</a:t>
+              <a:t>2023/2/12</a:t>
             </a:fld>
             <a:endParaRPr kumimoji="1" lang="ja-JP" altLang="en-US"/>
           </a:p>
@@ -985,7 +989,7 @@
           <a:p>
             <a:fld id="{F207CF53-5926-4BF4-A9A5-65B03568CE90}" type="datetimeFigureOut">
               <a:rPr kumimoji="1" lang="ja-JP" altLang="en-US" smtClean="0"/>
-              <a:t>2023/1/11</a:t>
+              <a:t>2023/2/12</a:t>
             </a:fld>
             <a:endParaRPr kumimoji="1" lang="ja-JP" altLang="en-US"/>
           </a:p>
@@ -1225,7 +1229,7 @@
           <a:p>
             <a:fld id="{F207CF53-5926-4BF4-A9A5-65B03568CE90}" type="datetimeFigureOut">
               <a:rPr kumimoji="1" lang="ja-JP" altLang="en-US" smtClean="0"/>
-              <a:t>2023/1/11</a:t>
+              <a:t>2023/2/12</a:t>
             </a:fld>
             <a:endParaRPr kumimoji="1" lang="ja-JP" altLang="en-US"/>
           </a:p>
@@ -1455,7 +1459,7 @@
           <a:p>
             <a:fld id="{F207CF53-5926-4BF4-A9A5-65B03568CE90}" type="datetimeFigureOut">
               <a:rPr kumimoji="1" lang="ja-JP" altLang="en-US" smtClean="0"/>
-              <a:t>2023/1/11</a:t>
+              <a:t>2023/2/12</a:t>
             </a:fld>
             <a:endParaRPr kumimoji="1" lang="ja-JP" altLang="en-US"/>
           </a:p>
@@ -1730,7 +1734,7 @@
           <a:p>
             <a:fld id="{F207CF53-5926-4BF4-A9A5-65B03568CE90}" type="datetimeFigureOut">
               <a:rPr kumimoji="1" lang="ja-JP" altLang="en-US" smtClean="0"/>
-              <a:t>2023/1/11</a:t>
+              <a:t>2023/2/12</a:t>
             </a:fld>
             <a:endParaRPr kumimoji="1" lang="ja-JP" altLang="en-US"/>
           </a:p>
@@ -2059,7 +2063,7 @@
           <a:p>
             <a:fld id="{F207CF53-5926-4BF4-A9A5-65B03568CE90}" type="datetimeFigureOut">
               <a:rPr kumimoji="1" lang="ja-JP" altLang="en-US" smtClean="0"/>
-              <a:t>2023/1/11</a:t>
+              <a:t>2023/2/12</a:t>
             </a:fld>
             <a:endParaRPr kumimoji="1" lang="ja-JP" altLang="en-US"/>
           </a:p>
@@ -2535,7 +2539,7 @@
           <a:p>
             <a:fld id="{F207CF53-5926-4BF4-A9A5-65B03568CE90}" type="datetimeFigureOut">
               <a:rPr kumimoji="1" lang="ja-JP" altLang="en-US" smtClean="0"/>
-              <a:t>2023/1/11</a:t>
+              <a:t>2023/2/12</a:t>
             </a:fld>
             <a:endParaRPr kumimoji="1" lang="ja-JP" altLang="en-US"/>
           </a:p>
@@ -2676,7 +2680,7 @@
           <a:p>
             <a:fld id="{F207CF53-5926-4BF4-A9A5-65B03568CE90}" type="datetimeFigureOut">
               <a:rPr kumimoji="1" lang="ja-JP" altLang="en-US" smtClean="0"/>
-              <a:t>2023/1/11</a:t>
+              <a:t>2023/2/12</a:t>
             </a:fld>
             <a:endParaRPr kumimoji="1" lang="ja-JP" altLang="en-US"/>
           </a:p>
@@ -2789,7 +2793,7 @@
           <a:p>
             <a:fld id="{F207CF53-5926-4BF4-A9A5-65B03568CE90}" type="datetimeFigureOut">
               <a:rPr kumimoji="1" lang="ja-JP" altLang="en-US" smtClean="0"/>
-              <a:t>2023/1/11</a:t>
+              <a:t>2023/2/12</a:t>
             </a:fld>
             <a:endParaRPr kumimoji="1" lang="ja-JP" altLang="en-US"/>
           </a:p>
@@ -3132,7 +3136,7 @@
           <a:p>
             <a:fld id="{F207CF53-5926-4BF4-A9A5-65B03568CE90}" type="datetimeFigureOut">
               <a:rPr kumimoji="1" lang="ja-JP" altLang="en-US" smtClean="0"/>
-              <a:t>2023/1/11</a:t>
+              <a:t>2023/2/12</a:t>
             </a:fld>
             <a:endParaRPr kumimoji="1" lang="ja-JP" altLang="en-US"/>
           </a:p>
@@ -3420,7 +3424,7 @@
           <a:p>
             <a:fld id="{F207CF53-5926-4BF4-A9A5-65B03568CE90}" type="datetimeFigureOut">
               <a:rPr kumimoji="1" lang="ja-JP" altLang="en-US" smtClean="0"/>
-              <a:t>2023/1/11</a:t>
+              <a:t>2023/2/12</a:t>
             </a:fld>
             <a:endParaRPr kumimoji="1" lang="ja-JP" altLang="en-US"/>
           </a:p>
@@ -3693,7 +3697,7 @@
           <a:p>
             <a:fld id="{F207CF53-5926-4BF4-A9A5-65B03568CE90}" type="datetimeFigureOut">
               <a:rPr kumimoji="1" lang="ja-JP" altLang="en-US" smtClean="0"/>
-              <a:t>2023/1/11</a:t>
+              <a:t>2023/2/12</a:t>
             </a:fld>
             <a:endParaRPr kumimoji="1" lang="ja-JP" altLang="en-US"/>
           </a:p>
@@ -6022,6 +6026,286 @@
     <p:extLst>
       <p:ext uri="{BB962C8B-B14F-4D97-AF65-F5344CB8AC3E}">
         <p14:creationId xmlns:p14="http://schemas.microsoft.com/office/powerpoint/2010/main" val="2004078127"/>
+      </p:ext>
+    </p:extLst>
+  </p:cSld>
+  <p:clrMapOvr>
+    <a:masterClrMapping/>
+  </p:clrMapOvr>
+</p:sld>
+</file>
+
+<file path=ppt/slides/slide30.xml><?xml version="1.0" encoding="utf-8"?>
+<p:sld xmlns:a="http://schemas.openxmlformats.org/drawingml/2006/main" xmlns:r="http://schemas.openxmlformats.org/officeDocument/2006/relationships" xmlns:p="http://schemas.openxmlformats.org/presentationml/2006/main">
+  <p:cSld>
+    <p:bg>
+      <p:bgPr>
+        <a:solidFill>
+          <a:schemeClr val="bg1"/>
+        </a:solidFill>
+        <a:effectLst/>
+      </p:bgPr>
+    </p:bg>
+    <p:spTree>
+      <p:nvGrpSpPr>
+        <p:cNvPr id="1" name=""/>
+        <p:cNvGrpSpPr/>
+        <p:nvPr/>
+      </p:nvGrpSpPr>
+      <p:grpSpPr>
+        <a:xfrm>
+          <a:off x="0" y="0"/>
+          <a:ext cx="0" cy="0"/>
+          <a:chOff x="0" y="0"/>
+          <a:chExt cx="0" cy="0"/>
+        </a:xfrm>
+      </p:grpSpPr>
+      <p:pic>
+        <p:nvPicPr>
+          <p:cNvPr id="3" name="図 2" descr="ロゴ&#10;&#10;自動的に生成された説明">
+            <a:extLst>
+              <a:ext uri="{FF2B5EF4-FFF2-40B4-BE49-F238E27FC236}">
+                <a16:creationId xmlns:a16="http://schemas.microsoft.com/office/drawing/2014/main" id="{A0871DA8-EBA6-908C-4500-1BA64EA67CBC}"/>
+              </a:ext>
+            </a:extLst>
+          </p:cNvPr>
+          <p:cNvPicPr>
+            <a:picLocks noChangeAspect="1"/>
+          </p:cNvPicPr>
+          <p:nvPr/>
+        </p:nvPicPr>
+        <p:blipFill>
+          <a:blip r:embed="rId2"/>
+          <a:stretch>
+            <a:fillRect/>
+          </a:stretch>
+        </p:blipFill>
+        <p:spPr>
+          <a:xfrm>
+            <a:off x="1143940" y="643466"/>
+            <a:ext cx="9904120" cy="5571067"/>
+          </a:xfrm>
+          <a:prstGeom prst="rect">
+            <a:avLst/>
+          </a:prstGeom>
+        </p:spPr>
+      </p:pic>
+    </p:spTree>
+    <p:extLst>
+      <p:ext uri="{BB962C8B-B14F-4D97-AF65-F5344CB8AC3E}">
+        <p14:creationId xmlns:p14="http://schemas.microsoft.com/office/powerpoint/2010/main" val="2623750640"/>
+      </p:ext>
+    </p:extLst>
+  </p:cSld>
+  <p:clrMapOvr>
+    <a:masterClrMapping/>
+  </p:clrMapOvr>
+</p:sld>
+</file>
+
+<file path=ppt/slides/slide31.xml><?xml version="1.0" encoding="utf-8"?>
+<p:sld xmlns:a="http://schemas.openxmlformats.org/drawingml/2006/main" xmlns:r="http://schemas.openxmlformats.org/officeDocument/2006/relationships" xmlns:p="http://schemas.openxmlformats.org/presentationml/2006/main">
+  <p:cSld>
+    <p:bg>
+      <p:bgPr>
+        <a:solidFill>
+          <a:schemeClr val="bg1"/>
+        </a:solidFill>
+        <a:effectLst/>
+      </p:bgPr>
+    </p:bg>
+    <p:spTree>
+      <p:nvGrpSpPr>
+        <p:cNvPr id="1" name=""/>
+        <p:cNvGrpSpPr/>
+        <p:nvPr/>
+      </p:nvGrpSpPr>
+      <p:grpSpPr>
+        <a:xfrm>
+          <a:off x="0" y="0"/>
+          <a:ext cx="0" cy="0"/>
+          <a:chOff x="0" y="0"/>
+          <a:chExt cx="0" cy="0"/>
+        </a:xfrm>
+      </p:grpSpPr>
+      <p:pic>
+        <p:nvPicPr>
+          <p:cNvPr id="4" name="グラフィックス 3">
+            <a:extLst>
+              <a:ext uri="{FF2B5EF4-FFF2-40B4-BE49-F238E27FC236}">
+                <a16:creationId xmlns:a16="http://schemas.microsoft.com/office/drawing/2014/main" id="{DEA2B7F7-7603-14D3-EE0C-741D798D02FB}"/>
+              </a:ext>
+            </a:extLst>
+          </p:cNvPr>
+          <p:cNvPicPr>
+            <a:picLocks noChangeAspect="1"/>
+          </p:cNvPicPr>
+          <p:nvPr/>
+        </p:nvPicPr>
+        <p:blipFill>
+          <a:blip r:embed="rId2">
+            <a:extLst>
+              <a:ext uri="{28A0092B-C50C-407E-A947-70E740481C1C}">
+                <a14:useLocalDpi xmlns:a14="http://schemas.microsoft.com/office/drawing/2010/main" val="0"/>
+              </a:ext>
+              <a:ext uri="{96DAC541-7B7A-43D3-8B79-37D633B846F1}">
+                <asvg:svgBlip xmlns:asvg="http://schemas.microsoft.com/office/drawing/2016/SVG/main" r:embed="rId3"/>
+              </a:ext>
+            </a:extLst>
+          </a:blip>
+          <a:stretch>
+            <a:fillRect/>
+          </a:stretch>
+        </p:blipFill>
+        <p:spPr>
+          <a:xfrm>
+            <a:off x="643467" y="3076189"/>
+            <a:ext cx="10905066" cy="705621"/>
+          </a:xfrm>
+          <a:prstGeom prst="rect">
+            <a:avLst/>
+          </a:prstGeom>
+        </p:spPr>
+      </p:pic>
+    </p:spTree>
+    <p:extLst>
+      <p:ext uri="{BB962C8B-B14F-4D97-AF65-F5344CB8AC3E}">
+        <p14:creationId xmlns:p14="http://schemas.microsoft.com/office/powerpoint/2010/main" val="1756021665"/>
+      </p:ext>
+    </p:extLst>
+  </p:cSld>
+  <p:clrMapOvr>
+    <a:masterClrMapping/>
+  </p:clrMapOvr>
+</p:sld>
+</file>
+
+<file path=ppt/slides/slide32.xml><?xml version="1.0" encoding="utf-8"?>
+<p:sld xmlns:a="http://schemas.openxmlformats.org/drawingml/2006/main" xmlns:r="http://schemas.openxmlformats.org/officeDocument/2006/relationships" xmlns:p="http://schemas.openxmlformats.org/presentationml/2006/main">
+  <p:cSld>
+    <p:bg>
+      <p:bgPr>
+        <a:solidFill>
+          <a:schemeClr val="bg1"/>
+        </a:solidFill>
+        <a:effectLst/>
+      </p:bgPr>
+    </p:bg>
+    <p:spTree>
+      <p:nvGrpSpPr>
+        <p:cNvPr id="1" name=""/>
+        <p:cNvGrpSpPr/>
+        <p:nvPr/>
+      </p:nvGrpSpPr>
+      <p:grpSpPr>
+        <a:xfrm>
+          <a:off x="0" y="0"/>
+          <a:ext cx="0" cy="0"/>
+          <a:chOff x="0" y="0"/>
+          <a:chExt cx="0" cy="0"/>
+        </a:xfrm>
+      </p:grpSpPr>
+      <p:pic>
+        <p:nvPicPr>
+          <p:cNvPr id="2" name="図 1" descr="ロゴ&#10;&#10;自動的に生成された説明">
+            <a:extLst>
+              <a:ext uri="{FF2B5EF4-FFF2-40B4-BE49-F238E27FC236}">
+                <a16:creationId xmlns:a16="http://schemas.microsoft.com/office/drawing/2014/main" id="{4F14F403-829F-AB2D-F573-25B6A53CC14B}"/>
+              </a:ext>
+            </a:extLst>
+          </p:cNvPr>
+          <p:cNvPicPr>
+            <a:picLocks noChangeAspect="1"/>
+          </p:cNvPicPr>
+          <p:nvPr/>
+        </p:nvPicPr>
+        <p:blipFill>
+          <a:blip r:embed="rId2"/>
+          <a:stretch>
+            <a:fillRect/>
+          </a:stretch>
+        </p:blipFill>
+        <p:spPr>
+          <a:xfrm>
+            <a:off x="1143940" y="643466"/>
+            <a:ext cx="9904120" cy="5571067"/>
+          </a:xfrm>
+          <a:prstGeom prst="rect">
+            <a:avLst/>
+          </a:prstGeom>
+        </p:spPr>
+      </p:pic>
+    </p:spTree>
+    <p:extLst>
+      <p:ext uri="{BB962C8B-B14F-4D97-AF65-F5344CB8AC3E}">
+        <p14:creationId xmlns:p14="http://schemas.microsoft.com/office/powerpoint/2010/main" val="3250212753"/>
+      </p:ext>
+    </p:extLst>
+  </p:cSld>
+  <p:clrMapOvr>
+    <a:masterClrMapping/>
+  </p:clrMapOvr>
+</p:sld>
+</file>
+
+<file path=ppt/slides/slide33.xml><?xml version="1.0" encoding="utf-8"?>
+<p:sld xmlns:a="http://schemas.openxmlformats.org/drawingml/2006/main" xmlns:r="http://schemas.openxmlformats.org/officeDocument/2006/relationships" xmlns:p="http://schemas.openxmlformats.org/presentationml/2006/main">
+  <p:cSld>
+    <p:bg>
+      <p:bgPr>
+        <a:solidFill>
+          <a:schemeClr val="bg1"/>
+        </a:solidFill>
+        <a:effectLst/>
+      </p:bgPr>
+    </p:bg>
+    <p:spTree>
+      <p:nvGrpSpPr>
+        <p:cNvPr id="1" name=""/>
+        <p:cNvGrpSpPr/>
+        <p:nvPr/>
+      </p:nvGrpSpPr>
+      <p:grpSpPr>
+        <a:xfrm>
+          <a:off x="0" y="0"/>
+          <a:ext cx="0" cy="0"/>
+          <a:chOff x="0" y="0"/>
+          <a:chExt cx="0" cy="0"/>
+        </a:xfrm>
+      </p:grpSpPr>
+      <p:pic>
+        <p:nvPicPr>
+          <p:cNvPr id="2" name="図 1">
+            <a:extLst>
+              <a:ext uri="{FF2B5EF4-FFF2-40B4-BE49-F238E27FC236}">
+                <a16:creationId xmlns:a16="http://schemas.microsoft.com/office/drawing/2014/main" id="{276263A7-A4BB-DAD9-2C9C-705C6F0AEAA9}"/>
+              </a:ext>
+            </a:extLst>
+          </p:cNvPr>
+          <p:cNvPicPr>
+            <a:picLocks noChangeAspect="1"/>
+          </p:cNvPicPr>
+          <p:nvPr/>
+        </p:nvPicPr>
+        <p:blipFill rotWithShape="1">
+          <a:blip r:embed="rId2"/>
+          <a:srcRect l="46956"/>
+          <a:stretch/>
+        </p:blipFill>
+        <p:spPr>
+          <a:xfrm>
+            <a:off x="643467" y="859184"/>
+            <a:ext cx="10905066" cy="5139631"/>
+          </a:xfrm>
+          <a:prstGeom prst="rect">
+            <a:avLst/>
+          </a:prstGeom>
+        </p:spPr>
+      </p:pic>
+    </p:spTree>
+    <p:extLst>
+      <p:ext uri="{BB962C8B-B14F-4D97-AF65-F5344CB8AC3E}">
+        <p14:creationId xmlns:p14="http://schemas.microsoft.com/office/powerpoint/2010/main" val="247697355"/>
       </p:ext>
     </p:extLst>
   </p:cSld>
